--- a/Documents/Week 05/Meeting Minutes/Template.pptx
+++ b/Documents/Week 05/Meeting Minutes/Template.pptx
@@ -15,9 +15,9 @@
     <p:sldId id="332" r:id="rId3"/>
     <p:sldId id="259" r:id="rId4"/>
     <p:sldId id="350" r:id="rId5"/>
-    <p:sldId id="351" r:id="rId6"/>
+    <p:sldId id="352" r:id="rId6"/>
     <p:sldId id="331" r:id="rId7"/>
-    <p:sldId id="314" r:id="rId8"/>
+    <p:sldId id="353" r:id="rId8"/>
   </p:sldIdLst>
   <p:sldSz cx="9144000" cy="5143500" type="screen16x9"/>
   <p:notesSz cx="6858000" cy="9144000"/>
@@ -155,9 +155,9 @@
             <p14:sldId id="332"/>
             <p14:sldId id="259"/>
             <p14:sldId id="350"/>
-            <p14:sldId id="351"/>
+            <p14:sldId id="352"/>
             <p14:sldId id="331"/>
-            <p14:sldId id="314"/>
+            <p14:sldId id="353"/>
           </p14:sldIdLst>
         </p14:section>
         <p14:section name="Stage 2 (Wk 8/9)" id="{A8BFD4FF-B2AE-4D4F-BD9B-8F17EE3B6574}">
@@ -286,7 +286,7 @@
           <a:p>
             <a:fld id="{BDA335CD-1F04-BE47-B798-E7E5B302FEE2}" type="datetimeFigureOut">
               <a:rPr lang="en-US" smtClean="0"/>
-              <a:t>3/28/25</a:t>
+              <a:t>3/30/25</a:t>
             </a:fld>
             <a:endParaRPr lang="en-US" dirty="0"/>
           </a:p>
@@ -463,7 +463,7 @@
           <a:p>
             <a:fld id="{54F5B07A-87A9-CF40-86D9-D2F6BB28DC45}" type="datetimeFigureOut">
               <a:rPr lang="en-US" smtClean="0"/>
-              <a:t>3/28/25</a:t>
+              <a:t>3/30/25</a:t>
             </a:fld>
             <a:endParaRPr lang="en-US" dirty="0"/>
           </a:p>
@@ -10059,6 +10059,21 @@
             </a:pPr>
             <a:endParaRPr lang="en-US" dirty="0"/>
           </a:p>
+          <a:p>
+            <a:pPr marL="0" indent="0">
+              <a:buNone/>
+            </a:pPr>
+            <a:r>
+              <a:rPr lang="en-US" sz="1200" dirty="0"/>
+              <a:t>Present: Ayush Singh, </a:t>
+            </a:r>
+          </a:p>
+          <a:p>
+            <a:pPr marL="0" indent="0">
+              <a:buNone/>
+            </a:pPr>
+            <a:endParaRPr lang="en-US" dirty="0"/>
+          </a:p>
         </p:txBody>
       </p:sp>
     </p:spTree>
@@ -10113,12 +10128,55 @@
           <a:lstStyle/>
           <a:p>
             <a:r>
+              <a:rPr lang="en-US" sz="2000" dirty="0"/>
+              <a:t>Key Research Question: </a:t>
+            </a:r>
+            <a:r>
               <a:rPr lang="en-US" sz="2000" b="0" dirty="0"/>
-              <a:t>Question 1: </a:t>
-            </a:r>
-          </a:p>
-          <a:p>
-            <a:endParaRPr lang="en-US" sz="2000" dirty="0"/>
+              <a:t>“How can we accurately forecast 10‐minute realized volatility from ultra‐high-frequency order book data?”</a:t>
+            </a:r>
+          </a:p>
+          <a:p>
+            <a:r>
+              <a:rPr lang="en-US" sz="2000" b="0" dirty="0"/>
+              <a:t>Clearly articulate the project’s objective in business terms.</a:t>
+            </a:r>
+          </a:p>
+          <a:p>
+            <a:r>
+              <a:rPr lang="en-US" sz="2000" b="0" dirty="0"/>
+              <a:t>Understand Data Owner Priorities: Determine what the data owners/stakeholders care about.</a:t>
+            </a:r>
+          </a:p>
+          <a:p>
+            <a:r>
+              <a:rPr lang="en-US" sz="2000" b="0" dirty="0"/>
+              <a:t>Describe how we would solve this problem manually.</a:t>
+            </a:r>
+          </a:p>
+          <a:p>
+            <a:r>
+              <a:rPr lang="en-US" sz="2000" b="0" dirty="0"/>
+              <a:t>Evaluate Existing Solutions: Identify current solutions/workarounds (if any).</a:t>
+            </a:r>
+          </a:p>
+          <a:p>
+            <a:r>
+              <a:rPr lang="en-US" sz="2000" b="0" dirty="0"/>
+              <a:t>Propose potential machine learning models suitable for volatility prediction.</a:t>
+            </a:r>
+          </a:p>
+          <a:p>
+            <a:r>
+              <a:rPr lang="en-US" sz="2000" b="0" dirty="0"/>
+              <a:t>Select performance measures to assess model accuracy.</a:t>
+            </a:r>
+          </a:p>
+          <a:p>
+            <a:endParaRPr lang="en-US" sz="2000" b="0" dirty="0"/>
+          </a:p>
+          <a:p>
+            <a:endParaRPr lang="en-US" sz="2000" b="0" dirty="0"/>
           </a:p>
         </p:txBody>
       </p:sp>
@@ -10145,7 +10203,7 @@
           <a:p>
             <a:r>
               <a:rPr lang="en-AU" dirty="0"/>
-              <a:t>Defining Our Question</a:t>
+              <a:t>This Week’s Question: Problem Formulation</a:t>
             </a:r>
           </a:p>
         </p:txBody>
@@ -10206,29 +10264,40 @@
             </a:pPr>
             <a:r>
               <a:rPr lang="en-US" b="0" dirty="0"/>
-              <a:t>For Question X: </a:t>
-            </a:r>
-          </a:p>
-          <a:p>
+              <a:t>For </a:t>
+            </a:r>
+            <a:r>
+              <a:rPr lang="en-US" sz="2400" b="0" dirty="0"/>
+              <a:t>Key Research Question</a:t>
+            </a:r>
             <a:r>
               <a:rPr lang="en-US" b="0" dirty="0"/>
-              <a:t>Challenge 1: One sentence description</a:t>
+              <a:t>: </a:t>
             </a:r>
           </a:p>
           <a:p>
             <a:r>
               <a:rPr lang="en-US" b="0" dirty="0"/>
-              <a:t>…</a:t>
+              <a:t>Challenge 1: Handling the massive volume and speed of ultra‐high-frequency order book data in real time.</a:t>
             </a:r>
           </a:p>
           <a:p>
             <a:r>
               <a:rPr lang="en-US" b="0" dirty="0"/>
-              <a:t>Challenge n: One sentence description</a:t>
-            </a:r>
-          </a:p>
-          <a:p>
-            <a:endParaRPr lang="en-US" b="0" dirty="0"/>
+              <a:t>Challenge 2: Filtering out market noise and microstructure effects to isolate true volatility signals.</a:t>
+            </a:r>
+          </a:p>
+          <a:p>
+            <a:r>
+              <a:rPr lang="en-US" b="0" dirty="0"/>
+              <a:t>Challenge 3: Capturing nonlinear and transient market dynamics that traditional models may overlook.</a:t>
+            </a:r>
+          </a:p>
+          <a:p>
+            <a:r>
+              <a:rPr lang="en-US" b="0" dirty="0"/>
+              <a:t>Challenge 4: Balancing computational efficiency with the need for accurate short-term forecasts.</a:t>
+            </a:r>
           </a:p>
           <a:p>
             <a:endParaRPr lang="en-US" dirty="0"/>
@@ -10258,7 +10327,7 @@
           <a:p>
             <a:r>
               <a:rPr lang="en-AU" dirty="0"/>
-              <a:t>Anticipated challenges  </a:t>
+              <a:t>Anticipated challenge 1</a:t>
             </a:r>
           </a:p>
         </p:txBody>
@@ -10320,26 +10389,35 @@
             </a:pPr>
             <a:r>
               <a:rPr lang="en-US" b="0" dirty="0"/>
-              <a:t>For Question X: </a:t>
+              <a:t>To propose potential machine learning models: </a:t>
             </a:r>
           </a:p>
           <a:p>
             <a:r>
               <a:rPr lang="en-US" b="0" dirty="0"/>
-              <a:t>Challenge 1: One sentence description</a:t>
+              <a:t>Challenge 1: Selecting models that capture both nonlinear market dynamics and temporal dependencies in data.</a:t>
             </a:r>
           </a:p>
           <a:p>
             <a:r>
               <a:rPr lang="en-US" b="0" dirty="0"/>
-              <a:t>…</a:t>
+              <a:t>Challenge 2: Balancing advanced model complexity with the need for interpretability and transparency for traders.</a:t>
             </a:r>
           </a:p>
           <a:p>
             <a:r>
               <a:rPr lang="en-US" b="0" dirty="0"/>
-              <a:t>Challenge n: One sentence description</a:t>
-            </a:r>
+              <a:t>Challenge 3: Ensuring robustness across different market regimes and during turbulent periods.</a:t>
+            </a:r>
+          </a:p>
+          <a:p>
+            <a:r>
+              <a:rPr lang="en-US" b="0" dirty="0"/>
+              <a:t>Challenge 4: Choosing a baseline model (like HAV-RV) to assess more complex and advanced models.</a:t>
+            </a:r>
+          </a:p>
+          <a:p>
+            <a:endParaRPr lang="en-US" b="0" dirty="0"/>
           </a:p>
           <a:p>
             <a:endParaRPr lang="en-US" b="0" dirty="0"/>
@@ -10372,7 +10450,7 @@
           <a:p>
             <a:r>
               <a:rPr lang="en-AU" dirty="0"/>
-              <a:t>Anticipated challenges  </a:t>
+              <a:t>Anticipated challenge 2 </a:t>
             </a:r>
           </a:p>
         </p:txBody>
@@ -10398,7 +10476,7 @@
         <p:cNvPr id="1" name="">
           <a:extLst>
             <a:ext uri="{FF2B5EF4-FFF2-40B4-BE49-F238E27FC236}">
-              <a16:creationId xmlns:a16="http://schemas.microsoft.com/office/drawing/2014/main" id="{F2719284-0F50-5E38-E5FC-6F8E9D7192B1}"/>
+              <a16:creationId xmlns:a16="http://schemas.microsoft.com/office/drawing/2014/main" id="{2B270D96-534D-EDDF-5599-BA423457D28B}"/>
             </a:ext>
           </a:extLst>
         </p:cNvPr>
@@ -10418,7 +10496,7 @@
           <p:cNvPr id="4" name="Content Placeholder 3">
             <a:extLst>
               <a:ext uri="{FF2B5EF4-FFF2-40B4-BE49-F238E27FC236}">
-                <a16:creationId xmlns:a16="http://schemas.microsoft.com/office/drawing/2014/main" id="{B76394F1-E32C-806F-8954-8900CE826A31}"/>
+                <a16:creationId xmlns:a16="http://schemas.microsoft.com/office/drawing/2014/main" id="{50776B60-9167-0EC2-226B-86274834C748}"/>
               </a:ext>
             </a:extLst>
           </p:cNvPr>
@@ -10439,29 +10517,26 @@
             </a:pPr>
             <a:r>
               <a:rPr lang="en-US" b="0" dirty="0"/>
-              <a:t>For Question X: </a:t>
+              <a:t>For selecting performance measures to assess model accuracy: </a:t>
             </a:r>
           </a:p>
           <a:p>
             <a:r>
               <a:rPr lang="en-US" b="0" dirty="0"/>
-              <a:t>Challenge 1: One sentence description</a:t>
+              <a:t>Challenge 1: Choosing metrics that reflect both absolute forecasting precision and the financial risk implications of under-prediction.</a:t>
             </a:r>
           </a:p>
           <a:p>
             <a:r>
               <a:rPr lang="en-US" b="0" dirty="0"/>
-              <a:t>…</a:t>
+              <a:t>Challenge 2: Balancing conventional error measures (e.g., MSE, MAPE) with domain-specific ones (e.g., QLIKE) that address volatility nuances.</a:t>
             </a:r>
           </a:p>
           <a:p>
             <a:r>
               <a:rPr lang="en-US" b="0" dirty="0"/>
-              <a:t>Challenge n: One sentence description</a:t>
-            </a:r>
-          </a:p>
-          <a:p>
-            <a:endParaRPr lang="en-US" b="0" dirty="0"/>
+              <a:t>Challenge 3: Aligning evaluation metrics with practical trading outcomes to clearly communicate the model’s impact on risk management and profitability.</a:t>
+            </a:r>
           </a:p>
           <a:p>
             <a:endParaRPr lang="en-US" dirty="0"/>
@@ -10473,7 +10548,7 @@
           <p:cNvPr id="2" name="Title 1">
             <a:extLst>
               <a:ext uri="{FF2B5EF4-FFF2-40B4-BE49-F238E27FC236}">
-                <a16:creationId xmlns:a16="http://schemas.microsoft.com/office/drawing/2014/main" id="{50488661-307C-41C8-D252-6825F32AA295}"/>
+                <a16:creationId xmlns:a16="http://schemas.microsoft.com/office/drawing/2014/main" id="{84FE873C-9661-5418-3B12-D4746E488405}"/>
               </a:ext>
             </a:extLst>
           </p:cNvPr>
@@ -10491,7 +10566,7 @@
           <a:p>
             <a:r>
               <a:rPr lang="en-AU" dirty="0"/>
-              <a:t>Anticipated challenges  </a:t>
+              <a:t>Anticipated challenge 3 </a:t>
             </a:r>
           </a:p>
         </p:txBody>
@@ -10499,7 +10574,7 @@
     </p:spTree>
     <p:extLst>
       <p:ext uri="{BB962C8B-B14F-4D97-AF65-F5344CB8AC3E}">
-        <p14:creationId xmlns:p14="http://schemas.microsoft.com/office/powerpoint/2010/main" val="4253611598"/>
+        <p14:creationId xmlns:p14="http://schemas.microsoft.com/office/powerpoint/2010/main" val="2987597344"/>
       </p:ext>
     </p:extLst>
   </p:cSld>
@@ -10569,14 +10644,14 @@
           <p:nvPr>
             <p:extLst>
               <p:ext uri="{D42A27DB-BD31-4B8C-83A1-F6EECF244321}">
-                <p14:modId xmlns:p14="http://schemas.microsoft.com/office/powerpoint/2010/main" val="2531115316"/>
+                <p14:modId xmlns:p14="http://schemas.microsoft.com/office/powerpoint/2010/main" val="1219212696"/>
               </p:ext>
             </p:extLst>
           </p:nvPr>
         </p:nvGraphicFramePr>
         <p:xfrm>
           <a:off x="358775" y="1684826"/>
-          <a:ext cx="8518715" cy="2813602"/>
+          <a:ext cx="8518715" cy="3022750"/>
         </p:xfrm>
         <a:graphic>
           <a:graphicData uri="http://schemas.openxmlformats.org/drawingml/2006/table">
@@ -10703,11 +10778,14 @@
                           <a:spcPct val="107000"/>
                         </a:lnSpc>
                       </a:pPr>
-                      <a:endParaRPr lang="en-AU" sz="1600" dirty="0">
-                        <a:effectLst/>
-                        <a:latin typeface="Calibri" panose="020F0502020204030204" pitchFamily="34" charset="0"/>
-                        <a:cs typeface="Times New Roman" panose="02020603050405020304" pitchFamily="18" charset="0"/>
-                      </a:endParaRPr>
+                      <a:r>
+                        <a:rPr lang="en-AU" sz="1600" dirty="0">
+                          <a:effectLst/>
+                          <a:latin typeface="Calibri" panose="020F0502020204030204" pitchFamily="34" charset="0"/>
+                          <a:cs typeface="Times New Roman" panose="02020603050405020304" pitchFamily="18" charset="0"/>
+                        </a:rPr>
+                        <a:t>Data Owners (Optiver)</a:t>
+                      </a:r>
                     </a:p>
                   </a:txBody>
                   <a:tcPr marL="81331" marR="81331" marT="0" marB="0" anchor="ctr"/>
@@ -10722,11 +10800,14 @@
                           <a:spcPct val="107000"/>
                         </a:lnSpc>
                       </a:pPr>
-                      <a:endParaRPr lang="en-AU" sz="1600" dirty="0">
-                        <a:effectLst/>
-                        <a:latin typeface="Calibri" panose="020F0502020204030204" pitchFamily="34" charset="0"/>
-                        <a:cs typeface="Times New Roman" panose="02020603050405020304" pitchFamily="18" charset="0"/>
-                      </a:endParaRPr>
+                      <a:r>
+                        <a:rPr lang="en-AU" sz="1200" dirty="0">
+                          <a:effectLst/>
+                          <a:latin typeface="Calibri" panose="020F0502020204030204" pitchFamily="34" charset="0"/>
+                          <a:cs typeface="Times New Roman" panose="02020603050405020304" pitchFamily="18" charset="0"/>
+                        </a:rPr>
+                        <a:t>Operate high-frequency trading platforms with a strong focus on risk management, option pricing, and real-time decision-making.</a:t>
+                      </a:r>
                     </a:p>
                   </a:txBody>
                   <a:tcPr marL="81331" marR="81331" marT="0" marB="0" anchor="ctr"/>
@@ -10741,11 +10822,14 @@
                           <a:spcPct val="107000"/>
                         </a:lnSpc>
                       </a:pPr>
-                      <a:endParaRPr lang="en-AU" sz="1600" dirty="0">
-                        <a:effectLst/>
-                        <a:latin typeface="Calibri" panose="020F0502020204030204" pitchFamily="34" charset="0"/>
-                        <a:cs typeface="Times New Roman" panose="02020603050405020304" pitchFamily="18" charset="0"/>
-                      </a:endParaRPr>
+                      <a:r>
+                        <a:rPr lang="en-AU" sz="1200" dirty="0">
+                          <a:effectLst/>
+                          <a:latin typeface="Calibri" panose="020F0502020204030204" pitchFamily="34" charset="0"/>
+                          <a:cs typeface="Times New Roman" panose="02020603050405020304" pitchFamily="18" charset="0"/>
+                        </a:rPr>
+                        <a:t>The predictor must deliver high accuracy, robustness, and rapid updates while seamlessly integrating into existing trading systems for immediate actionable insights.</a:t>
+                      </a:r>
                     </a:p>
                   </a:txBody>
                   <a:tcPr marL="81331" marR="81331" marT="0" marB="0" anchor="ctr"/>
@@ -10767,11 +10851,14 @@
                           <a:spcPct val="107000"/>
                         </a:lnSpc>
                       </a:pPr>
-                      <a:endParaRPr lang="en-AU" sz="1600" dirty="0">
-                        <a:effectLst/>
-                        <a:latin typeface="Calibri" panose="020F0502020204030204" pitchFamily="34" charset="0"/>
-                        <a:cs typeface="Times New Roman" panose="02020603050405020304" pitchFamily="18" charset="0"/>
-                      </a:endParaRPr>
+                      <a:r>
+                        <a:rPr lang="en-AU" sz="1600" dirty="0">
+                          <a:effectLst/>
+                          <a:latin typeface="Calibri" panose="020F0502020204030204" pitchFamily="34" charset="0"/>
+                          <a:cs typeface="Times New Roman" panose="02020603050405020304" pitchFamily="18" charset="0"/>
+                        </a:rPr>
+                        <a:t>Model Users (Traders)</a:t>
+                      </a:r>
                     </a:p>
                   </a:txBody>
                   <a:tcPr marL="81331" marR="81331" marT="0" marB="0" anchor="ctr"/>
@@ -10786,11 +10873,14 @@
                           <a:spcPct val="107000"/>
                         </a:lnSpc>
                       </a:pPr>
-                      <a:endParaRPr lang="en-AU" sz="1600" dirty="0">
-                        <a:effectLst/>
-                        <a:latin typeface="Calibri" panose="020F0502020204030204" pitchFamily="34" charset="0"/>
-                        <a:cs typeface="Times New Roman" panose="02020603050405020304" pitchFamily="18" charset="0"/>
-                      </a:endParaRPr>
+                      <a:r>
+                        <a:rPr lang="en-AU" sz="1200" dirty="0">
+                          <a:effectLst/>
+                          <a:latin typeface="Calibri" panose="020F0502020204030204" pitchFamily="34" charset="0"/>
+                          <a:cs typeface="Times New Roman" panose="02020603050405020304" pitchFamily="18" charset="0"/>
+                        </a:rPr>
+                        <a:t>Work in fast-paced environments and require interpretable, real-time forecasts along with clear multimedia presentations to support informed trading decisions.</a:t>
+                      </a:r>
                     </a:p>
                   </a:txBody>
                   <a:tcPr marL="81331" marR="81331" marT="0" marB="0" anchor="ctr"/>
@@ -10805,11 +10895,14 @@
                           <a:spcPct val="107000"/>
                         </a:lnSpc>
                       </a:pPr>
-                      <a:endParaRPr lang="en-AU" sz="1600" dirty="0">
-                        <a:effectLst/>
-                        <a:latin typeface="Calibri" panose="020F0502020204030204" pitchFamily="34" charset="0"/>
-                        <a:cs typeface="Times New Roman" panose="02020603050405020304" pitchFamily="18" charset="0"/>
-                      </a:endParaRPr>
+                      <a:r>
+                        <a:rPr lang="en-AU" sz="1200" dirty="0">
+                          <a:effectLst/>
+                          <a:latin typeface="Calibri" panose="020F0502020204030204" pitchFamily="34" charset="0"/>
+                          <a:cs typeface="Times New Roman" panose="02020603050405020304" pitchFamily="18" charset="0"/>
+                        </a:rPr>
+                        <a:t>The tool must feature user-friendly and clear visual communications, ensuring predictions are easily understood and trusted in critical decision contexts.</a:t>
+                      </a:r>
                     </a:p>
                   </a:txBody>
                   <a:tcPr marL="81331" marR="81331" marT="0" marB="0" anchor="ctr"/>
@@ -10831,11 +10924,14 @@
                           <a:spcPct val="107000"/>
                         </a:lnSpc>
                       </a:pPr>
-                      <a:endParaRPr lang="en-AU" sz="1600" dirty="0">
-                        <a:effectLst/>
-                        <a:latin typeface="Calibri" panose="020F0502020204030204" pitchFamily="34" charset="0"/>
-                        <a:cs typeface="Times New Roman" panose="02020603050405020304" pitchFamily="18" charset="0"/>
-                      </a:endParaRPr>
+                      <a:r>
+                        <a:rPr lang="en-AU" sz="1600" dirty="0">
+                          <a:effectLst/>
+                          <a:latin typeface="Calibri" panose="020F0502020204030204" pitchFamily="34" charset="0"/>
+                          <a:cs typeface="Times New Roman" panose="02020603050405020304" pitchFamily="18" charset="0"/>
+                        </a:rPr>
+                        <a:t>University of Sydney</a:t>
+                      </a:r>
                     </a:p>
                   </a:txBody>
                   <a:tcPr marL="81331" marR="81331" marT="0" marB="0" anchor="ctr"/>
@@ -10850,11 +10946,14 @@
                           <a:spcPct val="107000"/>
                         </a:lnSpc>
                       </a:pPr>
-                      <a:endParaRPr lang="en-AU" sz="1600" dirty="0">
-                        <a:effectLst/>
-                        <a:latin typeface="Calibri" panose="020F0502020204030204" pitchFamily="34" charset="0"/>
-                        <a:cs typeface="Times New Roman" panose="02020603050405020304" pitchFamily="18" charset="0"/>
-                      </a:endParaRPr>
+                      <a:r>
+                        <a:rPr lang="en-AU" sz="1200" dirty="0">
+                          <a:effectLst/>
+                          <a:latin typeface="Calibri" panose="020F0502020204030204" pitchFamily="34" charset="0"/>
+                          <a:cs typeface="Times New Roman" panose="02020603050405020304" pitchFamily="18" charset="0"/>
+                        </a:rPr>
+                        <a:t>Value methodological rigor, innovative modelling frameworks, and transparent documentation that supports review and reproducibility.</a:t>
+                      </a:r>
                     </a:p>
                   </a:txBody>
                   <a:tcPr marL="81331" marR="81331" marT="0" marB="0" anchor="ctr"/>
@@ -10869,11 +10968,14 @@
                           <a:spcPct val="107000"/>
                         </a:lnSpc>
                       </a:pPr>
-                      <a:endParaRPr lang="en-AU" sz="1600" dirty="0">
-                        <a:effectLst/>
-                        <a:latin typeface="Calibri" panose="020F0502020204030204" pitchFamily="34" charset="0"/>
-                        <a:cs typeface="Times New Roman" panose="02020603050405020304" pitchFamily="18" charset="0"/>
-                      </a:endParaRPr>
+                      <a:r>
+                        <a:rPr lang="en-AU" sz="1200" dirty="0">
+                          <a:effectLst/>
+                          <a:latin typeface="Calibri" panose="020F0502020204030204" pitchFamily="34" charset="0"/>
+                          <a:cs typeface="Times New Roman" panose="02020603050405020304" pitchFamily="18" charset="0"/>
+                        </a:rPr>
+                        <a:t>The project should be grounded in solid quantitative techniques with detailed documentation, fostering research collaborations and academic validation.</a:t>
+                      </a:r>
                     </a:p>
                   </a:txBody>
                   <a:tcPr marL="81331" marR="81331" marT="0" marB="0" anchor="ctr"/>
@@ -10903,7 +11005,7 @@
         <p:spPr>
           <a:xfrm>
             <a:off x="287531" y="924039"/>
-            <a:ext cx="8099781" cy="830997"/>
+            <a:ext cx="7288662" cy="338554"/>
           </a:xfrm>
           <a:prstGeom prst="rect">
             <a:avLst/>
@@ -10918,21 +11020,8 @@
           <a:p>
             <a:r>
               <a:rPr lang="en-US" sz="1600" dirty="0"/>
-              <a:t>Explore different types of target audience and its relationship to your project and select </a:t>
-            </a:r>
-          </a:p>
-          <a:p>
-            <a:r>
-              <a:rPr lang="en-US" sz="1600" dirty="0"/>
-              <a:t>the most appropriate.</a:t>
-            </a:r>
-          </a:p>
-          <a:p>
-            <a:pPr marL="285750" indent="-285750">
-              <a:buFont typeface="Arial" panose="020B0604020202020204" pitchFamily="34" charset="0"/>
-              <a:buChar char="•"/>
-            </a:pPr>
-            <a:endParaRPr lang="en-US" sz="1600" dirty="0"/>
+              <a:t>Exploring different types of target audience and their relationship to our project.</a:t>
+            </a:r>
           </a:p>
         </p:txBody>
       </p:sp>
@@ -10968,10 +11057,62 @@
       </p:grpSpPr>
       <p:sp>
         <p:nvSpPr>
-          <p:cNvPr id="2" name="Title 1">
-            <a:extLst>
-              <a:ext uri="{FF2B5EF4-FFF2-40B4-BE49-F238E27FC236}">
-                <a16:creationId xmlns:a16="http://schemas.microsoft.com/office/drawing/2014/main" id="{E2AEAF44-F909-4580-862E-7EB331AAAEC3}"/>
+          <p:cNvPr id="2" name="Content Placeholder 1">
+            <a:extLst>
+              <a:ext uri="{FF2B5EF4-FFF2-40B4-BE49-F238E27FC236}">
+                <a16:creationId xmlns:a16="http://schemas.microsoft.com/office/drawing/2014/main" id="{D5B3FADC-369C-7440-9B6C-21DA55D37F06}"/>
+              </a:ext>
+            </a:extLst>
+          </p:cNvPr>
+          <p:cNvSpPr>
+            <a:spLocks noGrp="1"/>
+          </p:cNvSpPr>
+          <p:nvPr>
+            <p:ph idx="1"/>
+          </p:nvPr>
+        </p:nvSpPr>
+        <p:spPr/>
+        <p:txBody>
+          <a:bodyPr/>
+          <a:lstStyle/>
+          <a:p>
+            <a:r>
+              <a:rPr lang="en-US" b="0" dirty="0"/>
+              <a:t>Read about Volatility and its’ dynamics from a Statistical and Quantitative point of view.</a:t>
+            </a:r>
+          </a:p>
+          <a:p>
+            <a:r>
+              <a:rPr lang="en-US" b="0" dirty="0"/>
+              <a:t>Understand the existing models and their use cases along with pros and cons.</a:t>
+            </a:r>
+          </a:p>
+          <a:p>
+            <a:r>
+              <a:rPr lang="en-US" b="0" dirty="0"/>
+              <a:t>Understand order book data and the features that might be beneficial to create to build better models.</a:t>
+            </a:r>
+          </a:p>
+          <a:p>
+            <a:r>
+              <a:rPr lang="en-US" b="0" dirty="0"/>
+              <a:t>Learn about performance metrics.</a:t>
+            </a:r>
+          </a:p>
+          <a:p>
+            <a:r>
+              <a:rPr lang="en-US" b="0" dirty="0"/>
+              <a:t>Login to GitHub to access the created repository.</a:t>
+            </a:r>
+          </a:p>
+        </p:txBody>
+      </p:sp>
+      <p:sp>
+        <p:nvSpPr>
+          <p:cNvPr id="3" name="Title 2">
+            <a:extLst>
+              <a:ext uri="{FF2B5EF4-FFF2-40B4-BE49-F238E27FC236}">
+                <a16:creationId xmlns:a16="http://schemas.microsoft.com/office/drawing/2014/main" id="{5ABEF3C5-1193-352E-17A6-778D3767F04F}"/>
               </a:ext>
             </a:extLst>
           </p:cNvPr>
@@ -10988,791 +11129,8 @@
           <a:lstStyle/>
           <a:p>
             <a:r>
-              <a:rPr lang="en-AU" dirty="0"/>
-              <a:t>Meeting minutes</a:t>
-            </a:r>
-          </a:p>
-        </p:txBody>
-      </p:sp>
-      <p:graphicFrame>
-        <p:nvGraphicFramePr>
-          <p:cNvPr id="8" name="Table 7">
-            <a:extLst>
-              <a:ext uri="{FF2B5EF4-FFF2-40B4-BE49-F238E27FC236}">
-                <a16:creationId xmlns:a16="http://schemas.microsoft.com/office/drawing/2014/main" id="{3A87D348-55EA-4938-B716-4176C77A2C27}"/>
-              </a:ext>
-            </a:extLst>
-          </p:cNvPr>
-          <p:cNvGraphicFramePr>
-            <a:graphicFrameLocks noGrp="1"/>
-          </p:cNvGraphicFramePr>
-          <p:nvPr>
-            <p:extLst>
-              <p:ext uri="{D42A27DB-BD31-4B8C-83A1-F6EECF244321}">
-                <p14:modId xmlns:p14="http://schemas.microsoft.com/office/powerpoint/2010/main" val="1265988804"/>
-              </p:ext>
-            </p:extLst>
-          </p:nvPr>
-        </p:nvGraphicFramePr>
-        <p:xfrm>
-          <a:off x="358775" y="1497142"/>
-          <a:ext cx="8518715" cy="2936749"/>
-        </p:xfrm>
-        <a:graphic>
-          <a:graphicData uri="http://schemas.openxmlformats.org/drawingml/2006/table">
-            <a:tbl>
-              <a:tblPr firstRow="1" firstCol="1" bandRow="1">
-                <a:tableStyleId>{5C22544A-7EE6-4342-B048-85BDC9FD1C3A}</a:tableStyleId>
-              </a:tblPr>
-              <a:tblGrid>
-                <a:gridCol w="1373987">
-                  <a:extLst>
-                    <a:ext uri="{9D8B030D-6E8A-4147-A177-3AD203B41FA5}">
-                      <a16:colId xmlns:a16="http://schemas.microsoft.com/office/drawing/2014/main" val="1573866123"/>
-                    </a:ext>
-                  </a:extLst>
-                </a:gridCol>
-                <a:gridCol w="2534438">
-                  <a:extLst>
-                    <a:ext uri="{9D8B030D-6E8A-4147-A177-3AD203B41FA5}">
-                      <a16:colId xmlns:a16="http://schemas.microsoft.com/office/drawing/2014/main" val="83730095"/>
-                    </a:ext>
-                  </a:extLst>
-                </a:gridCol>
-                <a:gridCol w="4610290">
-                  <a:extLst>
-                    <a:ext uri="{9D8B030D-6E8A-4147-A177-3AD203B41FA5}">
-                      <a16:colId xmlns:a16="http://schemas.microsoft.com/office/drawing/2014/main" val="1624356449"/>
-                    </a:ext>
-                  </a:extLst>
-                </a:gridCol>
-              </a:tblGrid>
-              <a:tr h="564619">
-                <a:tc>
-                  <a:txBody>
-                    <a:bodyPr/>
-                    <a:lstStyle/>
-                    <a:p>
-                      <a:pPr algn="ctr">
-                        <a:lnSpc>
-                          <a:spcPct val="107000"/>
-                        </a:lnSpc>
-                        <a:spcAft>
-                          <a:spcPts val="0"/>
-                        </a:spcAft>
-                      </a:pPr>
-                      <a:r>
-                        <a:rPr lang="en-AU" sz="1600" dirty="0">
-                          <a:effectLst/>
-                        </a:rPr>
-                        <a:t>Item</a:t>
-                      </a:r>
-                      <a:endParaRPr lang="en-AU" sz="1600" dirty="0">
-                        <a:effectLst/>
-                        <a:latin typeface="Tw Cen MT" panose="020B0602020104020603" pitchFamily="34" charset="0"/>
-                        <a:ea typeface="Calibri" panose="020F0502020204030204" pitchFamily="34" charset="0"/>
-                        <a:cs typeface="Times New Roman" panose="02020603050405020304" pitchFamily="18" charset="0"/>
-                      </a:endParaRPr>
-                    </a:p>
-                  </a:txBody>
-                  <a:tcPr marL="81331" marR="81331" marT="0" marB="0" anchor="ctr"/>
-                </a:tc>
-                <a:tc>
-                  <a:txBody>
-                    <a:bodyPr/>
-                    <a:lstStyle/>
-                    <a:p>
-                      <a:pPr algn="ctr">
-                        <a:lnSpc>
-                          <a:spcPct val="107000"/>
-                        </a:lnSpc>
-                        <a:spcAft>
-                          <a:spcPts val="0"/>
-                        </a:spcAft>
-                      </a:pPr>
-                      <a:r>
-                        <a:rPr lang="en-AU" sz="1600" dirty="0">
-                          <a:effectLst/>
-                        </a:rPr>
-                        <a:t>Discussion</a:t>
-                      </a:r>
-                    </a:p>
-                    <a:p>
-                      <a:pPr algn="ctr">
-                        <a:lnSpc>
-                          <a:spcPct val="107000"/>
-                        </a:lnSpc>
-                        <a:spcAft>
-                          <a:spcPts val="0"/>
-                        </a:spcAft>
-                      </a:pPr>
-                      <a:r>
-                        <a:rPr lang="en-AU" sz="1100" dirty="0">
-                          <a:effectLst/>
-                          <a:latin typeface="Tw Cen MT" panose="020B0602020104020603" pitchFamily="34" charset="0"/>
-                          <a:ea typeface="Calibri" panose="020F0502020204030204" pitchFamily="34" charset="0"/>
-                          <a:cs typeface="Times New Roman" panose="02020603050405020304" pitchFamily="18" charset="0"/>
-                        </a:rPr>
-                        <a:t>(you can refer to previous slides)</a:t>
-                      </a:r>
-                    </a:p>
-                  </a:txBody>
-                  <a:tcPr marL="81331" marR="81331" marT="0" marB="0" anchor="ctr"/>
-                </a:tc>
-                <a:tc>
-                  <a:txBody>
-                    <a:bodyPr/>
-                    <a:lstStyle/>
-                    <a:p>
-                      <a:pPr algn="ctr">
-                        <a:lnSpc>
-                          <a:spcPct val="107000"/>
-                        </a:lnSpc>
-                        <a:spcAft>
-                          <a:spcPts val="0"/>
-                        </a:spcAft>
-                      </a:pPr>
-                      <a:r>
-                        <a:rPr lang="en-AU" sz="1600" dirty="0">
-                          <a:effectLst/>
-                        </a:rPr>
-                        <a:t>Actions (who) – action points for next week</a:t>
-                      </a:r>
-                    </a:p>
-                  </a:txBody>
-                  <a:tcPr marL="81331" marR="81331" marT="0" marB="0" anchor="ctr"/>
-                </a:tc>
-                <a:extLst>
-                  <a:ext uri="{0D108BD9-81ED-4DB2-BD59-A6C34878D82A}">
-                    <a16:rowId xmlns:a16="http://schemas.microsoft.com/office/drawing/2014/main" val="921860958"/>
-                  </a:ext>
-                </a:extLst>
-              </a:tr>
-              <a:tr h="474426">
-                <a:tc>
-                  <a:txBody>
-                    <a:bodyPr/>
-                    <a:lstStyle/>
-                    <a:p>
-                      <a:pPr>
-                        <a:lnSpc>
-                          <a:spcPct val="107000"/>
-                        </a:lnSpc>
-                      </a:pPr>
-                      <a:endParaRPr lang="en-AU" sz="1000" dirty="0">
-                        <a:effectLst/>
-                        <a:latin typeface="Calibri" panose="020F0502020204030204" pitchFamily="34" charset="0"/>
-                        <a:cs typeface="Times New Roman" panose="02020603050405020304" pitchFamily="18" charset="0"/>
-                      </a:endParaRPr>
-                    </a:p>
-                  </a:txBody>
-                  <a:tcPr marL="81331" marR="81331" marT="0" marB="0" anchor="b"/>
-                </a:tc>
-                <a:tc>
-                  <a:txBody>
-                    <a:bodyPr/>
-                    <a:lstStyle/>
-                    <a:p>
-                      <a:pPr>
-                        <a:lnSpc>
-                          <a:spcPct val="107000"/>
-                        </a:lnSpc>
-                      </a:pPr>
-                      <a:endParaRPr lang="en-AU" sz="1000" dirty="0">
-                        <a:effectLst/>
-                        <a:latin typeface="Calibri" panose="020F0502020204030204" pitchFamily="34" charset="0"/>
-                        <a:cs typeface="Times New Roman" panose="02020603050405020304" pitchFamily="18" charset="0"/>
-                      </a:endParaRPr>
-                    </a:p>
-                  </a:txBody>
-                  <a:tcPr marL="81331" marR="81331" marT="0" marB="0" anchor="b"/>
-                </a:tc>
-                <a:tc>
-                  <a:txBody>
-                    <a:bodyPr/>
-                    <a:lstStyle/>
-                    <a:p>
-                      <a:pPr>
-                        <a:lnSpc>
-                          <a:spcPct val="107000"/>
-                        </a:lnSpc>
-                      </a:pPr>
-                      <a:endParaRPr lang="en-AU" sz="1000" dirty="0">
-                        <a:effectLst/>
-                        <a:latin typeface="Calibri" panose="020F0502020204030204" pitchFamily="34" charset="0"/>
-                        <a:cs typeface="Times New Roman" panose="02020603050405020304" pitchFamily="18" charset="0"/>
-                      </a:endParaRPr>
-                    </a:p>
-                  </a:txBody>
-                  <a:tcPr marL="81331" marR="81331" marT="0" marB="0" anchor="b"/>
-                </a:tc>
-                <a:extLst>
-                  <a:ext uri="{0D108BD9-81ED-4DB2-BD59-A6C34878D82A}">
-                    <a16:rowId xmlns:a16="http://schemas.microsoft.com/office/drawing/2014/main" val="2191457816"/>
-                  </a:ext>
-                </a:extLst>
-              </a:tr>
-              <a:tr h="474426">
-                <a:tc>
-                  <a:txBody>
-                    <a:bodyPr/>
-                    <a:lstStyle/>
-                    <a:p>
-                      <a:pPr>
-                        <a:lnSpc>
-                          <a:spcPct val="107000"/>
-                        </a:lnSpc>
-                      </a:pPr>
-                      <a:endParaRPr lang="en-AU" sz="1000" dirty="0">
-                        <a:effectLst/>
-                        <a:latin typeface="Calibri" panose="020F0502020204030204" pitchFamily="34" charset="0"/>
-                        <a:cs typeface="Times New Roman" panose="02020603050405020304" pitchFamily="18" charset="0"/>
-                      </a:endParaRPr>
-                    </a:p>
-                  </a:txBody>
-                  <a:tcPr marL="81331" marR="81331" marT="0" marB="0" anchor="b"/>
-                </a:tc>
-                <a:tc>
-                  <a:txBody>
-                    <a:bodyPr/>
-                    <a:lstStyle/>
-                    <a:p>
-                      <a:pPr>
-                        <a:lnSpc>
-                          <a:spcPct val="107000"/>
-                        </a:lnSpc>
-                      </a:pPr>
-                      <a:endParaRPr lang="en-AU" sz="1000" dirty="0">
-                        <a:effectLst/>
-                        <a:latin typeface="Calibri" panose="020F0502020204030204" pitchFamily="34" charset="0"/>
-                        <a:cs typeface="Times New Roman" panose="02020603050405020304" pitchFamily="18" charset="0"/>
-                      </a:endParaRPr>
-                    </a:p>
-                  </a:txBody>
-                  <a:tcPr marL="81331" marR="81331" marT="0" marB="0" anchor="b"/>
-                </a:tc>
-                <a:tc>
-                  <a:txBody>
-                    <a:bodyPr/>
-                    <a:lstStyle/>
-                    <a:p>
-                      <a:pPr>
-                        <a:lnSpc>
-                          <a:spcPct val="107000"/>
-                        </a:lnSpc>
-                      </a:pPr>
-                      <a:endParaRPr lang="en-AU" sz="1000" dirty="0">
-                        <a:effectLst/>
-                        <a:latin typeface="Calibri" panose="020F0502020204030204" pitchFamily="34" charset="0"/>
-                        <a:cs typeface="Times New Roman" panose="02020603050405020304" pitchFamily="18" charset="0"/>
-                      </a:endParaRPr>
-                    </a:p>
-                  </a:txBody>
-                  <a:tcPr marL="81331" marR="81331" marT="0" marB="0" anchor="b"/>
-                </a:tc>
-                <a:extLst>
-                  <a:ext uri="{0D108BD9-81ED-4DB2-BD59-A6C34878D82A}">
-                    <a16:rowId xmlns:a16="http://schemas.microsoft.com/office/drawing/2014/main" val="2947246499"/>
-                  </a:ext>
-                </a:extLst>
-              </a:tr>
-              <a:tr h="474426">
-                <a:tc>
-                  <a:txBody>
-                    <a:bodyPr/>
-                    <a:lstStyle/>
-                    <a:p>
-                      <a:pPr>
-                        <a:lnSpc>
-                          <a:spcPct val="107000"/>
-                        </a:lnSpc>
-                      </a:pPr>
-                      <a:endParaRPr lang="en-AU" sz="1000" dirty="0">
-                        <a:effectLst/>
-                        <a:latin typeface="Calibri" panose="020F0502020204030204" pitchFamily="34" charset="0"/>
-                        <a:cs typeface="Times New Roman" panose="02020603050405020304" pitchFamily="18" charset="0"/>
-                      </a:endParaRPr>
-                    </a:p>
-                  </a:txBody>
-                  <a:tcPr marL="81331" marR="81331" marT="0" marB="0" anchor="b"/>
-                </a:tc>
-                <a:tc>
-                  <a:txBody>
-                    <a:bodyPr/>
-                    <a:lstStyle/>
-                    <a:p>
-                      <a:pPr>
-                        <a:lnSpc>
-                          <a:spcPct val="107000"/>
-                        </a:lnSpc>
-                      </a:pPr>
-                      <a:endParaRPr lang="en-AU" sz="1000" dirty="0">
-                        <a:effectLst/>
-                        <a:latin typeface="Calibri" panose="020F0502020204030204" pitchFamily="34" charset="0"/>
-                        <a:cs typeface="Times New Roman" panose="02020603050405020304" pitchFamily="18" charset="0"/>
-                      </a:endParaRPr>
-                    </a:p>
-                  </a:txBody>
-                  <a:tcPr marL="81331" marR="81331" marT="0" marB="0" anchor="b"/>
-                </a:tc>
-                <a:tc>
-                  <a:txBody>
-                    <a:bodyPr/>
-                    <a:lstStyle/>
-                    <a:p>
-                      <a:pPr>
-                        <a:lnSpc>
-                          <a:spcPct val="107000"/>
-                        </a:lnSpc>
-                      </a:pPr>
-                      <a:endParaRPr lang="en-AU" sz="1000" dirty="0">
-                        <a:effectLst/>
-                        <a:latin typeface="Calibri" panose="020F0502020204030204" pitchFamily="34" charset="0"/>
-                        <a:cs typeface="Times New Roman" panose="02020603050405020304" pitchFamily="18" charset="0"/>
-                      </a:endParaRPr>
-                    </a:p>
-                  </a:txBody>
-                  <a:tcPr marL="81331" marR="81331" marT="0" marB="0" anchor="b"/>
-                </a:tc>
-                <a:extLst>
-                  <a:ext uri="{0D108BD9-81ED-4DB2-BD59-A6C34878D82A}">
-                    <a16:rowId xmlns:a16="http://schemas.microsoft.com/office/drawing/2014/main" val="942335013"/>
-                  </a:ext>
-                </a:extLst>
-              </a:tr>
-              <a:tr h="474426">
-                <a:tc>
-                  <a:txBody>
-                    <a:bodyPr/>
-                    <a:lstStyle/>
-                    <a:p>
-                      <a:pPr>
-                        <a:lnSpc>
-                          <a:spcPct val="107000"/>
-                        </a:lnSpc>
-                      </a:pPr>
-                      <a:endParaRPr lang="en-AU" sz="1000" dirty="0">
-                        <a:effectLst/>
-                        <a:latin typeface="Calibri" panose="020F0502020204030204" pitchFamily="34" charset="0"/>
-                        <a:cs typeface="Times New Roman" panose="02020603050405020304" pitchFamily="18" charset="0"/>
-                      </a:endParaRPr>
-                    </a:p>
-                  </a:txBody>
-                  <a:tcPr marL="81331" marR="81331" marT="0" marB="0" anchor="b"/>
-                </a:tc>
-                <a:tc>
-                  <a:txBody>
-                    <a:bodyPr/>
-                    <a:lstStyle/>
-                    <a:p>
-                      <a:pPr>
-                        <a:lnSpc>
-                          <a:spcPct val="107000"/>
-                        </a:lnSpc>
-                      </a:pPr>
-                      <a:endParaRPr lang="en-AU" sz="1000" dirty="0">
-                        <a:effectLst/>
-                        <a:latin typeface="Calibri" panose="020F0502020204030204" pitchFamily="34" charset="0"/>
-                        <a:cs typeface="Times New Roman" panose="02020603050405020304" pitchFamily="18" charset="0"/>
-                      </a:endParaRPr>
-                    </a:p>
-                  </a:txBody>
-                  <a:tcPr marL="81331" marR="81331" marT="0" marB="0" anchor="b"/>
-                </a:tc>
-                <a:tc>
-                  <a:txBody>
-                    <a:bodyPr/>
-                    <a:lstStyle/>
-                    <a:p>
-                      <a:pPr>
-                        <a:lnSpc>
-                          <a:spcPct val="107000"/>
-                        </a:lnSpc>
-                      </a:pPr>
-                      <a:endParaRPr lang="en-AU" sz="1000" dirty="0">
-                        <a:effectLst/>
-                        <a:latin typeface="Calibri" panose="020F0502020204030204" pitchFamily="34" charset="0"/>
-                        <a:cs typeface="Times New Roman" panose="02020603050405020304" pitchFamily="18" charset="0"/>
-                      </a:endParaRPr>
-                    </a:p>
-                  </a:txBody>
-                  <a:tcPr marL="81331" marR="81331" marT="0" marB="0" anchor="b"/>
-                </a:tc>
-                <a:extLst>
-                  <a:ext uri="{0D108BD9-81ED-4DB2-BD59-A6C34878D82A}">
-                    <a16:rowId xmlns:a16="http://schemas.microsoft.com/office/drawing/2014/main" val="1757599085"/>
-                  </a:ext>
-                </a:extLst>
-              </a:tr>
-              <a:tr h="474426">
-                <a:tc>
-                  <a:txBody>
-                    <a:bodyPr/>
-                    <a:lstStyle/>
-                    <a:p>
-                      <a:pPr>
-                        <a:lnSpc>
-                          <a:spcPct val="107000"/>
-                        </a:lnSpc>
-                      </a:pPr>
-                      <a:endParaRPr lang="en-AU" sz="1000" dirty="0">
-                        <a:effectLst/>
-                        <a:latin typeface="Calibri" panose="020F0502020204030204" pitchFamily="34" charset="0"/>
-                        <a:cs typeface="Times New Roman" panose="02020603050405020304" pitchFamily="18" charset="0"/>
-                      </a:endParaRPr>
-                    </a:p>
-                  </a:txBody>
-                  <a:tcPr marL="81331" marR="81331" marT="0" marB="0" anchor="b"/>
-                </a:tc>
-                <a:tc>
-                  <a:txBody>
-                    <a:bodyPr/>
-                    <a:lstStyle/>
-                    <a:p>
-                      <a:pPr>
-                        <a:lnSpc>
-                          <a:spcPct val="107000"/>
-                        </a:lnSpc>
-                      </a:pPr>
-                      <a:endParaRPr lang="en-AU" sz="1000" dirty="0">
-                        <a:effectLst/>
-                        <a:latin typeface="Calibri" panose="020F0502020204030204" pitchFamily="34" charset="0"/>
-                        <a:cs typeface="Times New Roman" panose="02020603050405020304" pitchFamily="18" charset="0"/>
-                      </a:endParaRPr>
-                    </a:p>
-                  </a:txBody>
-                  <a:tcPr marL="81331" marR="81331" marT="0" marB="0" anchor="b"/>
-                </a:tc>
-                <a:tc>
-                  <a:txBody>
-                    <a:bodyPr/>
-                    <a:lstStyle/>
-                    <a:p>
-                      <a:pPr>
-                        <a:lnSpc>
-                          <a:spcPct val="107000"/>
-                        </a:lnSpc>
-                      </a:pPr>
-                      <a:endParaRPr lang="en-AU" sz="1000" dirty="0">
-                        <a:effectLst/>
-                        <a:latin typeface="Calibri" panose="020F0502020204030204" pitchFamily="34" charset="0"/>
-                        <a:cs typeface="Times New Roman" panose="02020603050405020304" pitchFamily="18" charset="0"/>
-                      </a:endParaRPr>
-                    </a:p>
-                  </a:txBody>
-                  <a:tcPr marL="81331" marR="81331" marT="0" marB="0" anchor="b"/>
-                </a:tc>
-                <a:extLst>
-                  <a:ext uri="{0D108BD9-81ED-4DB2-BD59-A6C34878D82A}">
-                    <a16:rowId xmlns:a16="http://schemas.microsoft.com/office/drawing/2014/main" val="927903413"/>
-                  </a:ext>
-                </a:extLst>
-              </a:tr>
-            </a:tbl>
-          </a:graphicData>
-        </a:graphic>
-      </p:graphicFrame>
-      <p:sp>
-        <p:nvSpPr>
-          <p:cNvPr id="9" name="Rectangle 2">
-            <a:extLst>
-              <a:ext uri="{FF2B5EF4-FFF2-40B4-BE49-F238E27FC236}">
-                <a16:creationId xmlns:a16="http://schemas.microsoft.com/office/drawing/2014/main" id="{A2ADCF7C-1D56-46C0-AA47-22DB2F49BF52}"/>
-              </a:ext>
-            </a:extLst>
-          </p:cNvPr>
-          <p:cNvSpPr>
-            <a:spLocks noChangeArrowheads="1"/>
-          </p:cNvSpPr>
-          <p:nvPr/>
-        </p:nvSpPr>
-        <p:spPr bwMode="auto">
-          <a:xfrm>
-            <a:off x="358775" y="820034"/>
-            <a:ext cx="4699191" cy="677108"/>
-          </a:xfrm>
-          <a:prstGeom prst="rect">
-            <a:avLst/>
-          </a:prstGeom>
-          <a:noFill/>
-          <a:ln>
-            <a:noFill/>
-          </a:ln>
-          <a:effectLst/>
-          <a:extLst>
-            <a:ext uri="{909E8E84-426E-40DD-AFC4-6F175D3DCCD1}">
-              <a14:hiddenFill xmlns:a14="http://schemas.microsoft.com/office/drawing/2010/main">
-                <a:solidFill>
-                  <a:schemeClr val="accent1"/>
-                </a:solidFill>
-              </a14:hiddenFill>
-            </a:ext>
-            <a:ext uri="{91240B29-F687-4F45-9708-019B960494DF}">
-              <a14:hiddenLine xmlns:a14="http://schemas.microsoft.com/office/drawing/2010/main" w="9525">
-                <a:solidFill>
-                  <a:schemeClr val="tx1"/>
-                </a:solidFill>
-                <a:miter lim="800000"/>
-                <a:headEnd/>
-                <a:tailEnd/>
-              </a14:hiddenLine>
-            </a:ext>
-            <a:ext uri="{AF507438-7753-43E0-B8FC-AC1667EBCBE1}">
-              <a14:hiddenEffects xmlns:a14="http://schemas.microsoft.com/office/drawing/2010/main">
-                <a:effectLst>
-                  <a:outerShdw dist="35921" dir="2700000" algn="ctr" rotWithShape="0">
-                    <a:schemeClr val="bg2"/>
-                  </a:outerShdw>
-                </a:effectLst>
-              </a14:hiddenEffects>
-            </a:ext>
-          </a:extLst>
-        </p:spPr>
-        <p:txBody>
-          <a:bodyPr vert="horz" wrap="square" lIns="91440" tIns="45720" rIns="91440" bIns="45720" numCol="1" anchor="ctr" anchorCtr="0" compatLnSpc="1">
-            <a:prstTxWarp prst="textNoShape">
-              <a:avLst/>
-            </a:prstTxWarp>
-            <a:spAutoFit/>
-          </a:bodyPr>
-          <a:lstStyle/>
-          <a:p>
-            <a:pPr marL="0" marR="0" lvl="0" indent="0" algn="l" defTabSz="914400" rtl="0" eaLnBrk="0" fontAlgn="base" latinLnBrk="0" hangingPunct="0">
-              <a:lnSpc>
-                <a:spcPct val="100000"/>
-              </a:lnSpc>
-              <a:spcBef>
-                <a:spcPct val="0"/>
-              </a:spcBef>
-              <a:spcAft>
-                <a:spcPct val="0"/>
-              </a:spcAft>
-              <a:buClrTx/>
-              <a:buSzTx/>
-              <a:buFontTx/>
-              <a:buNone/>
-              <a:tabLst/>
-            </a:pPr>
-            <a:r>
-              <a:rPr kumimoji="0" lang="en-AU" altLang="en-US" sz="1100" b="0" i="1" u="none" strike="noStrike" cap="none" normalizeH="0" baseline="0" dirty="0">
-                <a:ln>
-                  <a:noFill/>
-                </a:ln>
-                <a:solidFill>
-                  <a:schemeClr val="tx1"/>
-                </a:solidFill>
-                <a:effectLst/>
-                <a:latin typeface="Tw Cen MT" panose="020B0602020104020603" pitchFamily="34" charset="0"/>
-                <a:ea typeface="Calibri" panose="020F0502020204030204" pitchFamily="34" charset="0"/>
-                <a:cs typeface="Times New Roman" panose="02020603050405020304" pitchFamily="18" charset="0"/>
-              </a:rPr>
-              <a:t>Date and time of meeting: 28</a:t>
-            </a:r>
-            <a:r>
-              <a:rPr kumimoji="0" lang="en-AU" altLang="en-US" sz="1100" b="0" i="1" u="none" strike="noStrike" cap="none" normalizeH="0" baseline="30000" dirty="0">
-                <a:ln>
-                  <a:noFill/>
-                </a:ln>
-                <a:solidFill>
-                  <a:schemeClr val="tx1"/>
-                </a:solidFill>
-                <a:effectLst/>
-                <a:latin typeface="Tw Cen MT" panose="020B0602020104020603" pitchFamily="34" charset="0"/>
-                <a:ea typeface="Calibri" panose="020F0502020204030204" pitchFamily="34" charset="0"/>
-                <a:cs typeface="Times New Roman" panose="02020603050405020304" pitchFamily="18" charset="0"/>
-              </a:rPr>
-              <a:t>th </a:t>
-            </a:r>
-            <a:r>
-              <a:rPr kumimoji="0" lang="en-AU" altLang="en-US" sz="1100" b="0" i="1" u="none" strike="noStrike" cap="none" normalizeH="0" dirty="0">
-                <a:ln>
-                  <a:noFill/>
-                </a:ln>
-                <a:solidFill>
-                  <a:schemeClr val="tx1"/>
-                </a:solidFill>
-                <a:effectLst/>
-                <a:latin typeface="Tw Cen MT" panose="020B0602020104020603" pitchFamily="34" charset="0"/>
-                <a:ea typeface="Calibri" panose="020F0502020204030204" pitchFamily="34" charset="0"/>
-                <a:cs typeface="Times New Roman" panose="02020603050405020304" pitchFamily="18" charset="0"/>
-              </a:rPr>
-              <a:t>March 2025, 12:30pm</a:t>
-            </a:r>
-            <a:endParaRPr kumimoji="0" lang="en-AU" altLang="en-US" sz="500" b="0" i="0" u="none" strike="noStrike" cap="none" normalizeH="0" baseline="30000" dirty="0">
-              <a:ln>
-                <a:noFill/>
-              </a:ln>
-              <a:solidFill>
-                <a:schemeClr val="tx1"/>
-              </a:solidFill>
-              <a:effectLst/>
-            </a:endParaRPr>
-          </a:p>
-          <a:p>
-            <a:pPr marL="0" marR="0" lvl="0" indent="0" algn="l" defTabSz="914400" rtl="0" eaLnBrk="0" fontAlgn="base" latinLnBrk="0" hangingPunct="0">
-              <a:lnSpc>
-                <a:spcPct val="100000"/>
-              </a:lnSpc>
-              <a:spcBef>
-                <a:spcPct val="0"/>
-              </a:spcBef>
-              <a:spcAft>
-                <a:spcPct val="0"/>
-              </a:spcAft>
-              <a:buClrTx/>
-              <a:buSzTx/>
-              <a:buFontTx/>
-              <a:buNone/>
-              <a:tabLst/>
-            </a:pPr>
-            <a:r>
-              <a:rPr kumimoji="0" lang="en-AU" altLang="en-US" sz="1100" b="0" i="1" u="none" strike="noStrike" cap="none" normalizeH="0" baseline="0" dirty="0">
-                <a:ln>
-                  <a:noFill/>
-                </a:ln>
-                <a:solidFill>
-                  <a:schemeClr val="tx1"/>
-                </a:solidFill>
-                <a:effectLst/>
-                <a:latin typeface="Tw Cen MT" panose="020B0602020104020603" pitchFamily="34" charset="0"/>
-                <a:ea typeface="Calibri" panose="020F0502020204030204" pitchFamily="34" charset="0"/>
-                <a:cs typeface="Times New Roman" panose="02020603050405020304" pitchFamily="18" charset="0"/>
-              </a:rPr>
-              <a:t>Team members present: Ayush Singh</a:t>
-            </a:r>
-          </a:p>
-          <a:p>
-            <a:pPr marL="0" marR="0" lvl="0" indent="0" algn="l" defTabSz="914400" rtl="0" eaLnBrk="0" fontAlgn="base" latinLnBrk="0" hangingPunct="0">
-              <a:lnSpc>
-                <a:spcPct val="100000"/>
-              </a:lnSpc>
-              <a:spcBef>
-                <a:spcPct val="0"/>
-              </a:spcBef>
-              <a:spcAft>
-                <a:spcPct val="0"/>
-              </a:spcAft>
-              <a:buClrTx/>
-              <a:buSzTx/>
-              <a:buFontTx/>
-              <a:buNone/>
-              <a:tabLst/>
-            </a:pPr>
-            <a:endParaRPr kumimoji="0" lang="en-AU" altLang="en-US" sz="500" b="0" i="0" u="none" strike="noStrike" cap="none" normalizeH="0" baseline="0" dirty="0">
-              <a:ln>
-                <a:noFill/>
-              </a:ln>
-              <a:solidFill>
-                <a:schemeClr val="tx1"/>
-              </a:solidFill>
-              <a:effectLst/>
-            </a:endParaRPr>
-          </a:p>
-          <a:p>
-            <a:pPr marL="0" marR="0" lvl="0" indent="0" algn="l" defTabSz="914400" rtl="0" eaLnBrk="0" fontAlgn="base" latinLnBrk="0" hangingPunct="0">
-              <a:lnSpc>
-                <a:spcPct val="100000"/>
-              </a:lnSpc>
-              <a:spcBef>
-                <a:spcPct val="0"/>
-              </a:spcBef>
-              <a:spcAft>
-                <a:spcPct val="0"/>
-              </a:spcAft>
-              <a:buClrTx/>
-              <a:buSzTx/>
-              <a:buFontTx/>
-              <a:buNone/>
-              <a:tabLst/>
-            </a:pPr>
-            <a:r>
-              <a:rPr kumimoji="0" lang="en-AU" altLang="en-US" sz="1100" b="1" i="0" u="none" strike="noStrike" cap="none" normalizeH="0" baseline="0" dirty="0">
-                <a:ln>
-                  <a:noFill/>
-                </a:ln>
-                <a:solidFill>
-                  <a:schemeClr val="tx1"/>
-                </a:solidFill>
-                <a:effectLst/>
-                <a:latin typeface="Tw Cen MT" panose="020B0602020104020603" pitchFamily="34" charset="0"/>
-                <a:ea typeface="Calibri" panose="020F0502020204030204" pitchFamily="34" charset="0"/>
-                <a:cs typeface="Times New Roman" panose="02020603050405020304" pitchFamily="18" charset="0"/>
-              </a:rPr>
-              <a:t>AGENDA</a:t>
-            </a:r>
-            <a:endParaRPr kumimoji="0" lang="en-AU" altLang="en-US" sz="500" b="0" i="0" u="none" strike="noStrike" cap="none" normalizeH="0" baseline="0" dirty="0">
-              <a:ln>
-                <a:noFill/>
-              </a:ln>
-              <a:solidFill>
-                <a:schemeClr val="tx1"/>
-              </a:solidFill>
-              <a:effectLst/>
-            </a:endParaRPr>
-          </a:p>
-        </p:txBody>
-      </p:sp>
-      <p:sp>
-        <p:nvSpPr>
-          <p:cNvPr id="10" name="Rectangle 9">
-            <a:extLst>
-              <a:ext uri="{FF2B5EF4-FFF2-40B4-BE49-F238E27FC236}">
-                <a16:creationId xmlns:a16="http://schemas.microsoft.com/office/drawing/2014/main" id="{0063FAC6-1059-490E-9D0D-3CEF59DD566B}"/>
-              </a:ext>
-            </a:extLst>
-          </p:cNvPr>
-          <p:cNvSpPr/>
-          <p:nvPr/>
-        </p:nvSpPr>
-        <p:spPr>
-          <a:xfrm>
-            <a:off x="1959209" y="4536429"/>
-            <a:ext cx="4572000" cy="461665"/>
-          </a:xfrm>
-          <a:prstGeom prst="rect">
-            <a:avLst/>
-          </a:prstGeom>
-        </p:spPr>
-        <p:txBody>
-          <a:bodyPr>
-            <a:spAutoFit/>
-          </a:bodyPr>
-          <a:lstStyle/>
-          <a:p>
-            <a:pPr lvl="0" defTabSz="914400" eaLnBrk="0" hangingPunct="0"/>
-            <a:r>
-              <a:rPr lang="en-AU" altLang="en-US" sz="1200" i="1" dirty="0">
-                <a:latin typeface="Tw Cen MT" panose="020B0602020104020603" pitchFamily="34" charset="0"/>
-                <a:ea typeface="Calibri" panose="020F0502020204030204" pitchFamily="34" charset="0"/>
-                <a:cs typeface="Times New Roman" panose="02020603050405020304" pitchFamily="18" charset="0"/>
-              </a:rPr>
-              <a:t>Next meeting date and time: 31</a:t>
-            </a:r>
-            <a:r>
-              <a:rPr lang="en-AU" altLang="en-US" sz="1200" i="1" baseline="30000" dirty="0">
-                <a:latin typeface="Tw Cen MT" panose="020B0602020104020603" pitchFamily="34" charset="0"/>
-                <a:ea typeface="Calibri" panose="020F0502020204030204" pitchFamily="34" charset="0"/>
-                <a:cs typeface="Times New Roman" panose="02020603050405020304" pitchFamily="18" charset="0"/>
-              </a:rPr>
-              <a:t>st</a:t>
-            </a:r>
-            <a:r>
-              <a:rPr lang="en-AU" altLang="en-US" sz="1200" i="1" dirty="0">
-                <a:latin typeface="Tw Cen MT" panose="020B0602020104020603" pitchFamily="34" charset="0"/>
-                <a:ea typeface="Calibri" panose="020F0502020204030204" pitchFamily="34" charset="0"/>
-                <a:cs typeface="Times New Roman" panose="02020603050405020304" pitchFamily="18" charset="0"/>
-              </a:rPr>
-              <a:t> March 2025, 09:00am</a:t>
-            </a:r>
-          </a:p>
-          <a:p>
-            <a:pPr lvl="0" defTabSz="914400" eaLnBrk="0" hangingPunct="0"/>
-            <a:r>
-              <a:rPr lang="en-AU" altLang="en-US" sz="1200" i="1" dirty="0">
-                <a:latin typeface="Tw Cen MT" panose="020B0602020104020603" pitchFamily="34" charset="0"/>
-                <a:cs typeface="Times New Roman" panose="02020603050405020304" pitchFamily="18" charset="0"/>
-              </a:rPr>
-              <a:t>Group member responsible for finalising/submitting minutes: Ayush Singh</a:t>
+              <a:rPr lang="en-US" dirty="0"/>
+              <a:t>What to do before Monday? (For everyone)</a:t>
             </a:r>
           </a:p>
         </p:txBody>
@@ -11780,7 +11138,7 @@
     </p:spTree>
     <p:extLst>
       <p:ext uri="{BB962C8B-B14F-4D97-AF65-F5344CB8AC3E}">
-        <p14:creationId xmlns:p14="http://schemas.microsoft.com/office/powerpoint/2010/main" val="3311122397"/>
+        <p14:creationId xmlns:p14="http://schemas.microsoft.com/office/powerpoint/2010/main" val="856989968"/>
       </p:ext>
     </p:extLst>
   </p:cSld>

--- a/Documents/Week 05/Meeting Minutes/Template.pptx
+++ b/Documents/Week 05/Meeting Minutes/Template.pptx
@@ -4828,14 +4828,14 @@
           </a:ln>
           <a:extLst>
             <a:ext uri="{909E8E84-426E-40dd-AFC4-6F175D3DCCD1}">
-              <a14:hiddenFill xmlns:a14="http://schemas.microsoft.com/office/drawing/2010/main" xmlns="">
+              <a14:hiddenFill xmlns="" xmlns:a14="http://schemas.microsoft.com/office/drawing/2010/main">
                 <a:solidFill>
                   <a:srgbClr val="FFFFFF"/>
                 </a:solidFill>
               </a14:hiddenFill>
             </a:ext>
             <a:ext uri="{91240B29-F687-4f45-9708-019B960494DF}">
-              <a14:hiddenLine xmlns:a14="http://schemas.microsoft.com/office/drawing/2010/main" xmlns="" w="9525">
+              <a14:hiddenLine xmlns="" xmlns:a14="http://schemas.microsoft.com/office/drawing/2010/main" w="9525">
                 <a:solidFill>
                   <a:srgbClr val="000000"/>
                 </a:solidFill>
@@ -4845,7 +4845,7 @@
               </a14:hiddenLine>
             </a:ext>
             <a:ext uri="{FAA26D3D-D897-4be2-8F04-BA451C77F1D7}">
-              <ma14:placeholderFlag xmlns:ma14="http://schemas.microsoft.com/office/mac/drawingml/2011/main" xmlns="" val="1"/>
+              <ma14:placeholderFlag xmlns="" xmlns:ma14="http://schemas.microsoft.com/office/mac/drawingml/2011/main" val="1"/>
             </a:ext>
           </a:extLst>
         </p:spPr>
@@ -4925,14 +4925,14 @@
           </a:ln>
           <a:extLst>
             <a:ext uri="{909E8E84-426E-40dd-AFC4-6F175D3DCCD1}">
-              <a14:hiddenFill xmlns:a14="http://schemas.microsoft.com/office/drawing/2010/main" xmlns="">
+              <a14:hiddenFill xmlns="" xmlns:a14="http://schemas.microsoft.com/office/drawing/2010/main">
                 <a:solidFill>
                   <a:srgbClr val="FFFFFF"/>
                 </a:solidFill>
               </a14:hiddenFill>
             </a:ext>
             <a:ext uri="{91240B29-F687-4f45-9708-019B960494DF}">
-              <a14:hiddenLine xmlns:a14="http://schemas.microsoft.com/office/drawing/2010/main" xmlns="" w="9525">
+              <a14:hiddenLine xmlns="" xmlns:a14="http://schemas.microsoft.com/office/drawing/2010/main" w="9525">
                 <a:solidFill>
                   <a:srgbClr val="000000"/>
                 </a:solidFill>
@@ -4942,7 +4942,7 @@
               </a14:hiddenLine>
             </a:ext>
             <a:ext uri="{FAA26D3D-D897-4be2-8F04-BA451C77F1D7}">
-              <ma14:placeholderFlag xmlns:ma14="http://schemas.microsoft.com/office/mac/drawingml/2011/main" xmlns="" val="1"/>
+              <ma14:placeholderFlag xmlns="" xmlns:ma14="http://schemas.microsoft.com/office/mac/drawingml/2011/main" val="1"/>
             </a:ext>
           </a:extLst>
         </p:spPr>
@@ -5259,14 +5259,14 @@
           </a:ln>
           <a:extLst>
             <a:ext uri="{909E8E84-426E-40dd-AFC4-6F175D3DCCD1}">
-              <a14:hiddenFill xmlns:a14="http://schemas.microsoft.com/office/drawing/2010/main" xmlns="">
+              <a14:hiddenFill xmlns="" xmlns:a14="http://schemas.microsoft.com/office/drawing/2010/main">
                 <a:solidFill>
                   <a:srgbClr val="FFFFFF"/>
                 </a:solidFill>
               </a14:hiddenFill>
             </a:ext>
             <a:ext uri="{91240B29-F687-4f45-9708-019B960494DF}">
-              <a14:hiddenLine xmlns:a14="http://schemas.microsoft.com/office/drawing/2010/main" xmlns="" w="9525">
+              <a14:hiddenLine xmlns="" xmlns:a14="http://schemas.microsoft.com/office/drawing/2010/main" w="9525">
                 <a:solidFill>
                   <a:srgbClr val="000000"/>
                 </a:solidFill>
@@ -5276,7 +5276,7 @@
               </a14:hiddenLine>
             </a:ext>
             <a:ext uri="{FAA26D3D-D897-4be2-8F04-BA451C77F1D7}">
-              <ma14:placeholderFlag xmlns:ma14="http://schemas.microsoft.com/office/mac/drawingml/2011/main" xmlns="" val="1"/>
+              <ma14:placeholderFlag xmlns="" xmlns:ma14="http://schemas.microsoft.com/office/mac/drawingml/2011/main" val="1"/>
             </a:ext>
           </a:extLst>
         </p:spPr>
@@ -5473,14 +5473,14 @@
           </a:ln>
           <a:extLst>
             <a:ext uri="{909E8E84-426E-40dd-AFC4-6F175D3DCCD1}">
-              <a14:hiddenFill xmlns:a14="http://schemas.microsoft.com/office/drawing/2010/main" xmlns="">
+              <a14:hiddenFill xmlns="" xmlns:a14="http://schemas.microsoft.com/office/drawing/2010/main">
                 <a:solidFill>
                   <a:srgbClr val="FFFFFF"/>
                 </a:solidFill>
               </a14:hiddenFill>
             </a:ext>
             <a:ext uri="{91240B29-F687-4f45-9708-019B960494DF}">
-              <a14:hiddenLine xmlns:a14="http://schemas.microsoft.com/office/drawing/2010/main" xmlns="" w="9525">
+              <a14:hiddenLine xmlns="" xmlns:a14="http://schemas.microsoft.com/office/drawing/2010/main" w="9525">
                 <a:solidFill>
                   <a:srgbClr val="000000"/>
                 </a:solidFill>
@@ -5490,7 +5490,7 @@
               </a14:hiddenLine>
             </a:ext>
             <a:ext uri="{FAA26D3D-D897-4be2-8F04-BA451C77F1D7}">
-              <ma14:placeholderFlag xmlns:ma14="http://schemas.microsoft.com/office/mac/drawingml/2011/main" xmlns="" val="1"/>
+              <ma14:placeholderFlag xmlns="" xmlns:ma14="http://schemas.microsoft.com/office/mac/drawingml/2011/main" val="1"/>
             </a:ext>
           </a:extLst>
         </p:spPr>
@@ -5739,14 +5739,14 @@
           </a:ln>
           <a:extLst>
             <a:ext uri="{909E8E84-426E-40dd-AFC4-6F175D3DCCD1}">
-              <a14:hiddenFill xmlns:a14="http://schemas.microsoft.com/office/drawing/2010/main" xmlns="">
+              <a14:hiddenFill xmlns="" xmlns:a14="http://schemas.microsoft.com/office/drawing/2010/main">
                 <a:solidFill>
                   <a:srgbClr val="FFFFFF"/>
                 </a:solidFill>
               </a14:hiddenFill>
             </a:ext>
             <a:ext uri="{91240B29-F687-4f45-9708-019B960494DF}">
-              <a14:hiddenLine xmlns:a14="http://schemas.microsoft.com/office/drawing/2010/main" xmlns="" w="9525">
+              <a14:hiddenLine xmlns="" xmlns:a14="http://schemas.microsoft.com/office/drawing/2010/main" w="9525">
                 <a:solidFill>
                   <a:srgbClr val="000000"/>
                 </a:solidFill>
@@ -5756,7 +5756,7 @@
               </a14:hiddenLine>
             </a:ext>
             <a:ext uri="{FAA26D3D-D897-4be2-8F04-BA451C77F1D7}">
-              <ma14:placeholderFlag xmlns:ma14="http://schemas.microsoft.com/office/mac/drawingml/2011/main" xmlns="" val="1"/>
+              <ma14:placeholderFlag xmlns="" xmlns:ma14="http://schemas.microsoft.com/office/mac/drawingml/2011/main" val="1"/>
             </a:ext>
           </a:extLst>
         </p:spPr>
@@ -5990,14 +5990,14 @@
           </a:ln>
           <a:extLst>
             <a:ext uri="{909E8E84-426E-40dd-AFC4-6F175D3DCCD1}">
-              <a14:hiddenFill xmlns:a14="http://schemas.microsoft.com/office/drawing/2010/main" xmlns="">
+              <a14:hiddenFill xmlns="" xmlns:a14="http://schemas.microsoft.com/office/drawing/2010/main">
                 <a:solidFill>
                   <a:srgbClr val="FFFFFF"/>
                 </a:solidFill>
               </a14:hiddenFill>
             </a:ext>
             <a:ext uri="{91240B29-F687-4f45-9708-019B960494DF}">
-              <a14:hiddenLine xmlns:a14="http://schemas.microsoft.com/office/drawing/2010/main" xmlns="" w="9525">
+              <a14:hiddenLine xmlns="" xmlns:a14="http://schemas.microsoft.com/office/drawing/2010/main" w="9525">
                 <a:solidFill>
                   <a:srgbClr val="000000"/>
                 </a:solidFill>
@@ -6007,7 +6007,7 @@
               </a14:hiddenLine>
             </a:ext>
             <a:ext uri="{FAA26D3D-D897-4be2-8F04-BA451C77F1D7}">
-              <ma14:placeholderFlag xmlns:ma14="http://schemas.microsoft.com/office/mac/drawingml/2011/main" xmlns="" val="1"/>
+              <ma14:placeholderFlag xmlns="" xmlns:ma14="http://schemas.microsoft.com/office/mac/drawingml/2011/main" val="1"/>
             </a:ext>
           </a:extLst>
         </p:spPr>
@@ -6087,14 +6087,14 @@
           </a:ln>
           <a:extLst>
             <a:ext uri="{909E8E84-426E-40dd-AFC4-6F175D3DCCD1}">
-              <a14:hiddenFill xmlns:a14="http://schemas.microsoft.com/office/drawing/2010/main" xmlns="">
+              <a14:hiddenFill xmlns="" xmlns:a14="http://schemas.microsoft.com/office/drawing/2010/main">
                 <a:solidFill>
                   <a:srgbClr val="FFFFFF"/>
                 </a:solidFill>
               </a14:hiddenFill>
             </a:ext>
             <a:ext uri="{91240B29-F687-4f45-9708-019B960494DF}">
-              <a14:hiddenLine xmlns:a14="http://schemas.microsoft.com/office/drawing/2010/main" xmlns="" w="9525">
+              <a14:hiddenLine xmlns="" xmlns:a14="http://schemas.microsoft.com/office/drawing/2010/main" w="9525">
                 <a:solidFill>
                   <a:srgbClr val="000000"/>
                 </a:solidFill>
@@ -6104,7 +6104,7 @@
               </a14:hiddenLine>
             </a:ext>
             <a:ext uri="{FAA26D3D-D897-4be2-8F04-BA451C77F1D7}">
-              <ma14:placeholderFlag xmlns:ma14="http://schemas.microsoft.com/office/mac/drawingml/2011/main" xmlns="" val="1"/>
+              <ma14:placeholderFlag xmlns="" xmlns:ma14="http://schemas.microsoft.com/office/mac/drawingml/2011/main" val="1"/>
             </a:ext>
           </a:extLst>
         </p:spPr>
@@ -6189,14 +6189,14 @@
           </a:ln>
           <a:extLst>
             <a:ext uri="{909E8E84-426E-40dd-AFC4-6F175D3DCCD1}">
-              <a14:hiddenFill xmlns:a14="http://schemas.microsoft.com/office/drawing/2010/main" xmlns="">
+              <a14:hiddenFill xmlns="" xmlns:a14="http://schemas.microsoft.com/office/drawing/2010/main">
                 <a:solidFill>
                   <a:srgbClr val="FFFFFF"/>
                 </a:solidFill>
               </a14:hiddenFill>
             </a:ext>
             <a:ext uri="{91240B29-F687-4f45-9708-019B960494DF}">
-              <a14:hiddenLine xmlns:a14="http://schemas.microsoft.com/office/drawing/2010/main" xmlns="" w="9525">
+              <a14:hiddenLine xmlns="" xmlns:a14="http://schemas.microsoft.com/office/drawing/2010/main" w="9525">
                 <a:solidFill>
                   <a:srgbClr val="000000"/>
                 </a:solidFill>
@@ -6337,14 +6337,14 @@
           </a:ln>
           <a:extLst>
             <a:ext uri="{909E8E84-426E-40dd-AFC4-6F175D3DCCD1}">
-              <a14:hiddenFill xmlns:a14="http://schemas.microsoft.com/office/drawing/2010/main" xmlns="">
+              <a14:hiddenFill xmlns="" xmlns:a14="http://schemas.microsoft.com/office/drawing/2010/main">
                 <a:solidFill>
                   <a:srgbClr val="FFFFFF"/>
                 </a:solidFill>
               </a14:hiddenFill>
             </a:ext>
             <a:ext uri="{91240B29-F687-4f45-9708-019B960494DF}">
-              <a14:hiddenLine xmlns:a14="http://schemas.microsoft.com/office/drawing/2010/main" xmlns="" w="9525">
+              <a14:hiddenLine xmlns="" xmlns:a14="http://schemas.microsoft.com/office/drawing/2010/main" w="9525">
                 <a:solidFill>
                   <a:srgbClr val="000000"/>
                 </a:solidFill>
@@ -6354,7 +6354,7 @@
               </a14:hiddenLine>
             </a:ext>
             <a:ext uri="{FAA26D3D-D897-4be2-8F04-BA451C77F1D7}">
-              <ma14:placeholderFlag xmlns:ma14="http://schemas.microsoft.com/office/mac/drawingml/2011/main" xmlns="" val="1"/>
+              <ma14:placeholderFlag xmlns="" xmlns:ma14="http://schemas.microsoft.com/office/mac/drawingml/2011/main" val="1"/>
             </a:ext>
           </a:extLst>
         </p:spPr>
@@ -9399,14 +9399,14 @@
           </a:ln>
           <a:extLst>
             <a:ext uri="{909E8E84-426E-40dd-AFC4-6F175D3DCCD1}">
-              <a14:hiddenFill xmlns:a14="http://schemas.microsoft.com/office/drawing/2010/main" xmlns="">
+              <a14:hiddenFill xmlns="" xmlns:a14="http://schemas.microsoft.com/office/drawing/2010/main">
                 <a:solidFill>
                   <a:srgbClr val="FFFFFF"/>
                 </a:solidFill>
               </a14:hiddenFill>
             </a:ext>
             <a:ext uri="{91240B29-F687-4f45-9708-019B960494DF}">
-              <a14:hiddenLine xmlns:a14="http://schemas.microsoft.com/office/drawing/2010/main" xmlns="" w="9525">
+              <a14:hiddenLine xmlns="" xmlns:a14="http://schemas.microsoft.com/office/drawing/2010/main" w="9525">
                 <a:solidFill>
                   <a:srgbClr val="000000"/>
                 </a:solidFill>
@@ -9416,7 +9416,7 @@
               </a14:hiddenLine>
             </a:ext>
             <a:ext uri="{FAA26D3D-D897-4be2-8F04-BA451C77F1D7}">
-              <ma14:placeholderFlag xmlns:ma14="http://schemas.microsoft.com/office/mac/drawingml/2011/main" xmlns="" val="1"/>
+              <ma14:placeholderFlag xmlns="" xmlns:ma14="http://schemas.microsoft.com/office/mac/drawingml/2011/main" val="1"/>
             </a:ext>
           </a:extLst>
         </p:spPr>
@@ -9466,14 +9466,14 @@
           </a:ln>
           <a:extLst>
             <a:ext uri="{909E8E84-426E-40dd-AFC4-6F175D3DCCD1}">
-              <a14:hiddenFill xmlns:a14="http://schemas.microsoft.com/office/drawing/2010/main" xmlns="">
+              <a14:hiddenFill xmlns="" xmlns:a14="http://schemas.microsoft.com/office/drawing/2010/main">
                 <a:solidFill>
                   <a:srgbClr val="FFFFFF"/>
                 </a:solidFill>
               </a14:hiddenFill>
             </a:ext>
             <a:ext uri="{91240B29-F687-4f45-9708-019B960494DF}">
-              <a14:hiddenLine xmlns:a14="http://schemas.microsoft.com/office/drawing/2010/main" xmlns="" w="9525">
+              <a14:hiddenLine xmlns="" xmlns:a14="http://schemas.microsoft.com/office/drawing/2010/main" w="9525">
                 <a:solidFill>
                   <a:srgbClr val="000000"/>
                 </a:solidFill>
@@ -9483,7 +9483,7 @@
               </a14:hiddenLine>
             </a:ext>
             <a:ext uri="{FAA26D3D-D897-4be2-8F04-BA451C77F1D7}">
-              <ma14:placeholderFlag xmlns:ma14="http://schemas.microsoft.com/office/mac/drawingml/2011/main" xmlns="" val="1"/>
+              <ma14:placeholderFlag xmlns="" xmlns:ma14="http://schemas.microsoft.com/office/mac/drawingml/2011/main" val="1"/>
             </a:ext>
           </a:extLst>
         </p:spPr>
@@ -10017,7 +10017,7 @@
         </p:spPr>
         <p:txBody>
           <a:bodyPr wrap="square" anchor="t">
-            <a:normAutofit/>
+            <a:normAutofit lnSpcReduction="10000"/>
           </a:bodyPr>
           <a:lstStyle/>
           <a:p>
@@ -10065,7 +10065,15 @@
             </a:pPr>
             <a:r>
               <a:rPr lang="en-US" sz="1200" dirty="0"/>
-              <a:t>Present: Ayush Singh, </a:t>
+              <a:t>Present: Ayush Singh, Christy Lee, Kylie Haryono, </a:t>
+            </a:r>
+            <a:r>
+              <a:rPr lang="en-US" sz="1200" dirty="0" err="1"/>
+              <a:t>Zichun</a:t>
+            </a:r>
+            <a:r>
+              <a:rPr lang="en-US" sz="1200" dirty="0"/>
+              <a:t> Han.</a:t>
             </a:r>
           </a:p>
           <a:p>
